--- a/Slide_Deck/Capstone Dataset Description.pptx
+++ b/Slide_Deck/Capstone Dataset Description.pptx
@@ -112,6 +112,11 @@
       </a:defRPr>
     </a:lvl9pPr>
   </p:defaultTextStyle>
+  <p:extLst>
+    <p:ext uri="{EFAFB233-063F-42B5-8137-9DF3F51BA10A}">
+      <p15:sldGuideLst xmlns:p15="http://schemas.microsoft.com/office/powerpoint/2012/main"/>
+    </p:ext>
+  </p:extLst>
 </p:presentation>
 </file>
 
@@ -246,7 +251,7 @@
           <a:p>
             <a:fld id="{384846D0-2284-469E-995D-AAA2E2DE01A0}" type="datetimeFigureOut">
               <a:rPr lang="en-IN" smtClean="0"/>
-              <a:t>05-09-2020</a:t>
+              <a:t>08-10-2020</a:t>
             </a:fld>
             <a:endParaRPr lang="en-IN"/>
           </a:p>
@@ -416,7 +421,7 @@
           <a:p>
             <a:fld id="{384846D0-2284-469E-995D-AAA2E2DE01A0}" type="datetimeFigureOut">
               <a:rPr lang="en-IN" smtClean="0"/>
-              <a:t>05-09-2020</a:t>
+              <a:t>08-10-2020</a:t>
             </a:fld>
             <a:endParaRPr lang="en-IN"/>
           </a:p>
@@ -596,7 +601,7 @@
           <a:p>
             <a:fld id="{384846D0-2284-469E-995D-AAA2E2DE01A0}" type="datetimeFigureOut">
               <a:rPr lang="en-IN" smtClean="0"/>
-              <a:t>05-09-2020</a:t>
+              <a:t>08-10-2020</a:t>
             </a:fld>
             <a:endParaRPr lang="en-IN"/>
           </a:p>
@@ -766,7 +771,7 @@
           <a:p>
             <a:fld id="{384846D0-2284-469E-995D-AAA2E2DE01A0}" type="datetimeFigureOut">
               <a:rPr lang="en-IN" smtClean="0"/>
-              <a:t>05-09-2020</a:t>
+              <a:t>08-10-2020</a:t>
             </a:fld>
             <a:endParaRPr lang="en-IN"/>
           </a:p>
@@ -1012,7 +1017,7 @@
           <a:p>
             <a:fld id="{384846D0-2284-469E-995D-AAA2E2DE01A0}" type="datetimeFigureOut">
               <a:rPr lang="en-IN" smtClean="0"/>
-              <a:t>05-09-2020</a:t>
+              <a:t>08-10-2020</a:t>
             </a:fld>
             <a:endParaRPr lang="en-IN"/>
           </a:p>
@@ -1244,7 +1249,7 @@
           <a:p>
             <a:fld id="{384846D0-2284-469E-995D-AAA2E2DE01A0}" type="datetimeFigureOut">
               <a:rPr lang="en-IN" smtClean="0"/>
-              <a:t>05-09-2020</a:t>
+              <a:t>08-10-2020</a:t>
             </a:fld>
             <a:endParaRPr lang="en-IN"/>
           </a:p>
@@ -1611,7 +1616,7 @@
           <a:p>
             <a:fld id="{384846D0-2284-469E-995D-AAA2E2DE01A0}" type="datetimeFigureOut">
               <a:rPr lang="en-IN" smtClean="0"/>
-              <a:t>05-09-2020</a:t>
+              <a:t>08-10-2020</a:t>
             </a:fld>
             <a:endParaRPr lang="en-IN"/>
           </a:p>
@@ -1729,7 +1734,7 @@
           <a:p>
             <a:fld id="{384846D0-2284-469E-995D-AAA2E2DE01A0}" type="datetimeFigureOut">
               <a:rPr lang="en-IN" smtClean="0"/>
-              <a:t>05-09-2020</a:t>
+              <a:t>08-10-2020</a:t>
             </a:fld>
             <a:endParaRPr lang="en-IN"/>
           </a:p>
@@ -1824,7 +1829,7 @@
           <a:p>
             <a:fld id="{384846D0-2284-469E-995D-AAA2E2DE01A0}" type="datetimeFigureOut">
               <a:rPr lang="en-IN" smtClean="0"/>
-              <a:t>05-09-2020</a:t>
+              <a:t>08-10-2020</a:t>
             </a:fld>
             <a:endParaRPr lang="en-IN"/>
           </a:p>
@@ -2101,7 +2106,7 @@
           <a:p>
             <a:fld id="{384846D0-2284-469E-995D-AAA2E2DE01A0}" type="datetimeFigureOut">
               <a:rPr lang="en-IN" smtClean="0"/>
-              <a:t>05-09-2020</a:t>
+              <a:t>08-10-2020</a:t>
             </a:fld>
             <a:endParaRPr lang="en-IN"/>
           </a:p>
@@ -2354,7 +2359,7 @@
           <a:p>
             <a:fld id="{384846D0-2284-469E-995D-AAA2E2DE01A0}" type="datetimeFigureOut">
               <a:rPr lang="en-IN" smtClean="0"/>
-              <a:t>05-09-2020</a:t>
+              <a:t>08-10-2020</a:t>
             </a:fld>
             <a:endParaRPr lang="en-IN"/>
           </a:p>
@@ -2567,7 +2572,7 @@
           <a:p>
             <a:fld id="{384846D0-2284-469E-995D-AAA2E2DE01A0}" type="datetimeFigureOut">
               <a:rPr lang="en-IN" smtClean="0"/>
-              <a:t>05-09-2020</a:t>
+              <a:t>08-10-2020</a:t>
             </a:fld>
             <a:endParaRPr lang="en-IN"/>
           </a:p>
@@ -3165,8 +3170,13 @@
           <a:p>
             <a:r>
               <a:rPr lang="en-US" dirty="0" smtClean="0"/>
-              <a:t>Different Approaches</a:t>
-            </a:r>
+              <a:t>Different </a:t>
+            </a:r>
+            <a:r>
+              <a:rPr lang="en-US" dirty="0" smtClean="0"/>
+              <a:t>Approaches – Anomaly Detection</a:t>
+            </a:r>
+            <a:endParaRPr lang="en-US" dirty="0" smtClean="0"/>
           </a:p>
           <a:p>
             <a:pPr lvl="1"/>
@@ -4065,20 +4075,20 @@
             <p:ph idx="1"/>
             <p:extLst>
               <p:ext uri="{D42A27DB-BD31-4B8C-83A1-F6EECF244321}">
-                <p14:modId xmlns:p14="http://schemas.microsoft.com/office/powerpoint/2010/main" val="1142058022"/>
+                <p14:modId xmlns:p14="http://schemas.microsoft.com/office/powerpoint/2010/main" val="105021284"/>
               </p:ext>
             </p:extLst>
           </p:nvPr>
         </p:nvGraphicFramePr>
         <p:xfrm>
-          <a:off x="589660" y="851337"/>
+          <a:off x="649481" y="372772"/>
           <a:ext cx="10764140" cy="4860756"/>
         </p:xfrm>
         <a:graphic>
           <a:graphicData uri="http://schemas.openxmlformats.org/drawingml/2006/table">
             <a:tbl>
               <a:tblPr firstRow="1" bandRow="1">
-                <a:tableStyleId>{7DF18680-E054-41AD-8BC1-D1AEF772440D}</a:tableStyleId>
+                <a:tableStyleId>{00A15C55-8517-42AA-B614-E9B94910E393}</a:tableStyleId>
               </a:tblPr>
               <a:tblGrid>
                 <a:gridCol w="2503918"/>
@@ -4134,10 +4144,18 @@
                         <a:defRPr/>
                       </a:pPr>
                       <a:r>
-                        <a:rPr lang="en-US" dirty="0" smtClean="0"/>
+                        <a:rPr lang="en-US" dirty="0" smtClean="0">
+                          <a:solidFill>
+                            <a:srgbClr val="C00000"/>
+                          </a:solidFill>
+                        </a:rPr>
                         <a:t>Set No. 2</a:t>
                       </a:r>
-                      <a:endParaRPr lang="en-IN" b="1" dirty="0" smtClean="0"/>
+                      <a:endParaRPr lang="en-IN" b="1" dirty="0" smtClean="0">
+                        <a:solidFill>
+                          <a:srgbClr val="C00000"/>
+                        </a:solidFill>
+                      </a:endParaRPr>
                     </a:p>
                   </a:txBody>
                   <a:tcPr/>
@@ -4181,19 +4199,11 @@
                     <a:lstStyle/>
                     <a:p>
                       <a:r>
-                        <a:rPr lang="en-US" b="1" dirty="0" smtClean="0">
-                          <a:solidFill>
-                            <a:schemeClr val="bg1"/>
-                          </a:solidFill>
-                        </a:rPr>
+                        <a:rPr lang="en-US" dirty="0" smtClean="0"/>
                         <a:t>Recording</a:t>
                       </a:r>
                       <a:r>
-                        <a:rPr lang="en-US" b="1" baseline="0" dirty="0" smtClean="0">
-                          <a:solidFill>
-                            <a:schemeClr val="bg1"/>
-                          </a:solidFill>
-                        </a:rPr>
+                        <a:rPr lang="en-US" baseline="0" dirty="0" smtClean="0"/>
                         <a:t> Duration </a:t>
                       </a:r>
                       <a:endParaRPr lang="en-IN" b="1" dirty="0">
@@ -4203,11 +4213,7 @@
                       </a:endParaRPr>
                     </a:p>
                   </a:txBody>
-                  <a:tcPr>
-                    <a:solidFill>
-                      <a:schemeClr val="accent5"/>
-                    </a:solidFill>
-                  </a:tcPr>
+                  <a:tcPr/>
                 </a:tc>
                 <a:tc>
                   <a:txBody>
@@ -4229,10 +4235,18 @@
                     <a:lstStyle/>
                     <a:p>
                       <a:r>
-                        <a:rPr lang="en-US" dirty="0" smtClean="0"/>
+                        <a:rPr lang="en-US" dirty="0" smtClean="0">
+                          <a:solidFill>
+                            <a:srgbClr val="C00000"/>
+                          </a:solidFill>
+                        </a:rPr>
                         <a:t>February 12, 2004 10:32:39 to February 19, 2004 06:22:39</a:t>
                       </a:r>
-                      <a:endParaRPr lang="en-IN" dirty="0"/>
+                      <a:endParaRPr lang="en-IN" dirty="0">
+                        <a:solidFill>
+                          <a:srgbClr val="C00000"/>
+                        </a:solidFill>
+                      </a:endParaRPr>
                     </a:p>
                   </a:txBody>
                   <a:tcPr/>
@@ -4259,11 +4273,7 @@
                     <a:lstStyle/>
                     <a:p>
                       <a:r>
-                        <a:rPr lang="en-US" b="1" dirty="0" smtClean="0">
-                          <a:solidFill>
-                            <a:schemeClr val="bg1"/>
-                          </a:solidFill>
-                        </a:rPr>
+                        <a:rPr lang="en-US" dirty="0" smtClean="0"/>
                         <a:t>No. of files</a:t>
                       </a:r>
                       <a:endParaRPr lang="en-IN" b="1" dirty="0">
@@ -4273,11 +4283,7 @@
                       </a:endParaRPr>
                     </a:p>
                   </a:txBody>
-                  <a:tcPr>
-                    <a:solidFill>
-                      <a:schemeClr val="accent5"/>
-                    </a:solidFill>
-                  </a:tcPr>
+                  <a:tcPr/>
                 </a:tc>
                 <a:tc>
                   <a:txBody>
@@ -4301,10 +4307,18 @@
                     <a:p>
                       <a:pPr algn="ctr"/>
                       <a:r>
-                        <a:rPr lang="en-US" dirty="0" smtClean="0"/>
+                        <a:rPr lang="en-US" dirty="0" smtClean="0">
+                          <a:solidFill>
+                            <a:srgbClr val="C00000"/>
+                          </a:solidFill>
+                        </a:rPr>
                         <a:t>984</a:t>
                       </a:r>
-                      <a:endParaRPr lang="en-IN" dirty="0"/>
+                      <a:endParaRPr lang="en-IN" dirty="0">
+                        <a:solidFill>
+                          <a:srgbClr val="C00000"/>
+                        </a:solidFill>
+                      </a:endParaRPr>
                     </a:p>
                   </a:txBody>
                   <a:tcPr/>
@@ -4332,33 +4346,48 @@
                     <a:lstStyle/>
                     <a:p>
                       <a:r>
-                        <a:rPr lang="en-US" b="1" dirty="0" smtClean="0">
-                          <a:solidFill>
-                            <a:schemeClr val="bg1"/>
-                          </a:solidFill>
-                        </a:rPr>
+                        <a:rPr lang="en-US" dirty="0" smtClean="0"/>
                         <a:t>Channel</a:t>
                       </a:r>
                       <a:r>
-                        <a:rPr lang="en-US" b="1" baseline="0" dirty="0" smtClean="0">
+                        <a:rPr lang="en-US" baseline="0" dirty="0" smtClean="0"/>
+                        <a:t> Arrangement (Accelerometer) </a:t>
+                      </a:r>
+                      <a:endParaRPr lang="en-US" baseline="0" dirty="0" smtClean="0"/>
+                    </a:p>
+                    <a:p>
+                      <a:r>
+                        <a:rPr lang="en-US" b="0" baseline="0" dirty="0" smtClean="0">
                           <a:solidFill>
-                            <a:schemeClr val="bg1"/>
+                            <a:schemeClr val="tx1"/>
                           </a:solidFill>
                         </a:rPr>
-                        <a:t> Arrangement (Accelerometer) </a:t>
+                        <a:t>(</a:t>
                       </a:r>
-                      <a:endParaRPr lang="en-IN" b="1" dirty="0">
+                      <a:r>
+                        <a:rPr lang="en-US" b="0" baseline="0" dirty="0" err="1" smtClean="0">
+                          <a:solidFill>
+                            <a:schemeClr val="tx1"/>
+                          </a:solidFill>
+                        </a:rPr>
+                        <a:t>Ch</a:t>
+                      </a:r>
+                      <a:r>
+                        <a:rPr lang="en-US" b="0" baseline="0" dirty="0" smtClean="0">
+                          <a:solidFill>
+                            <a:schemeClr val="tx1"/>
+                          </a:solidFill>
+                        </a:rPr>
+                        <a:t> – Channel)</a:t>
+                      </a:r>
+                      <a:endParaRPr lang="en-IN" b="0" dirty="0">
                         <a:solidFill>
-                          <a:schemeClr val="bg1"/>
+                          <a:schemeClr val="tx1"/>
                         </a:solidFill>
                       </a:endParaRPr>
                     </a:p>
                   </a:txBody>
-                  <a:tcPr>
-                    <a:solidFill>
-                      <a:schemeClr val="accent5"/>
-                    </a:solidFill>
-                  </a:tcPr>
+                  <a:tcPr/>
                 </a:tc>
                 <a:tc>
                   <a:txBody>
@@ -4435,34 +4464,66 @@
                     <a:p>
                       <a:pPr algn="ctr"/>
                       <a:r>
-                        <a:rPr lang="en-US" sz="1800" u="none" strike="noStrike" kern="1200" baseline="0" dirty="0" smtClean="0"/>
+                        <a:rPr lang="en-US" sz="1800" u="none" strike="noStrike" kern="1200" baseline="0" dirty="0" smtClean="0">
+                          <a:solidFill>
+                            <a:srgbClr val="C00000"/>
+                          </a:solidFill>
+                        </a:rPr>
                         <a:t>Bearing 1 – </a:t>
                       </a:r>
                       <a:r>
-                        <a:rPr lang="en-US" sz="1800" u="none" strike="noStrike" kern="1200" baseline="0" dirty="0" err="1" smtClean="0"/>
+                        <a:rPr lang="en-US" sz="1800" u="none" strike="noStrike" kern="1200" baseline="0" dirty="0" err="1" smtClean="0">
+                          <a:solidFill>
+                            <a:srgbClr val="C00000"/>
+                          </a:solidFill>
+                        </a:rPr>
                         <a:t>Ch</a:t>
                       </a:r>
                       <a:r>
-                        <a:rPr lang="en-US" sz="1800" u="none" strike="noStrike" kern="1200" baseline="0" dirty="0" smtClean="0"/>
+                        <a:rPr lang="en-US" sz="1800" u="none" strike="noStrike" kern="1200" baseline="0" dirty="0" smtClean="0">
+                          <a:solidFill>
+                            <a:srgbClr val="C00000"/>
+                          </a:solidFill>
+                        </a:rPr>
                         <a:t> 1; Bearing2 – </a:t>
                       </a:r>
                       <a:r>
-                        <a:rPr lang="en-US" sz="1800" u="none" strike="noStrike" kern="1200" baseline="0" dirty="0" err="1" smtClean="0"/>
+                        <a:rPr lang="en-US" sz="1800" u="none" strike="noStrike" kern="1200" baseline="0" dirty="0" err="1" smtClean="0">
+                          <a:solidFill>
+                            <a:srgbClr val="C00000"/>
+                          </a:solidFill>
+                        </a:rPr>
                         <a:t>Ch</a:t>
                       </a:r>
                       <a:r>
-                        <a:rPr lang="en-US" sz="1800" u="none" strike="noStrike" kern="1200" baseline="0" dirty="0" smtClean="0"/>
+                        <a:rPr lang="en-US" sz="1800" u="none" strike="noStrike" kern="1200" baseline="0" dirty="0" smtClean="0">
+                          <a:solidFill>
+                            <a:srgbClr val="C00000"/>
+                          </a:solidFill>
+                        </a:rPr>
                         <a:t> 2; Bearing3 – Ch3; Bearing 4 – </a:t>
                       </a:r>
                       <a:r>
-                        <a:rPr lang="en-US" sz="1800" u="none" strike="noStrike" kern="1200" baseline="0" dirty="0" err="1" smtClean="0"/>
+                        <a:rPr lang="en-US" sz="1800" u="none" strike="noStrike" kern="1200" baseline="0" dirty="0" err="1" smtClean="0">
+                          <a:solidFill>
+                            <a:srgbClr val="C00000"/>
+                          </a:solidFill>
+                        </a:rPr>
                         <a:t>Ch</a:t>
                       </a:r>
                       <a:r>
-                        <a:rPr lang="en-US" sz="1800" u="none" strike="noStrike" kern="1200" baseline="0" dirty="0" smtClean="0"/>
+                        <a:rPr lang="en-US" sz="1800" u="none" strike="noStrike" kern="1200" baseline="0" dirty="0" smtClean="0">
+                          <a:solidFill>
+                            <a:srgbClr val="C00000"/>
+                          </a:solidFill>
+                        </a:rPr>
                         <a:t> 4. </a:t>
                       </a:r>
-                      <a:endParaRPr lang="en-IN" dirty="0"/>
+                      <a:endParaRPr lang="en-IN" dirty="0">
+                        <a:solidFill>
+                          <a:srgbClr val="C00000"/>
+                        </a:solidFill>
+                      </a:endParaRPr>
                     </a:p>
                   </a:txBody>
                   <a:tcPr/>
@@ -4485,11 +4546,7 @@
                     <a:lstStyle/>
                     <a:p>
                       <a:r>
-                        <a:rPr lang="en-IN" sz="1800" b="1" u="none" strike="noStrike" kern="1200" baseline="0" dirty="0" smtClean="0">
-                          <a:solidFill>
-                            <a:schemeClr val="bg1"/>
-                          </a:solidFill>
-                        </a:rPr>
+                        <a:rPr lang="en-IN" sz="1800" u="none" strike="noStrike" kern="1200" baseline="0" dirty="0" smtClean="0"/>
                         <a:t>File Recording Interval: </a:t>
                       </a:r>
                       <a:endParaRPr lang="en-IN" b="1" dirty="0">
@@ -4499,11 +4556,7 @@
                       </a:endParaRPr>
                     </a:p>
                   </a:txBody>
-                  <a:tcPr>
-                    <a:solidFill>
-                      <a:schemeClr val="accent5"/>
-                    </a:solidFill>
-                  </a:tcPr>
+                  <a:tcPr/>
                 </a:tc>
                 <a:tc gridSpan="3">
                   <a:txBody>
@@ -4512,10 +4565,18 @@
                     <a:p>
                       <a:pPr algn="ctr"/>
                       <a:r>
-                        <a:rPr lang="en-US" dirty="0" smtClean="0"/>
+                        <a:rPr lang="en-US" dirty="0" smtClean="0">
+                          <a:solidFill>
+                            <a:srgbClr val="C00000"/>
+                          </a:solidFill>
+                        </a:rPr>
                         <a:t>Every 10 minutes</a:t>
                       </a:r>
-                      <a:endParaRPr lang="en-IN" dirty="0"/>
+                      <a:endParaRPr lang="en-IN" dirty="0">
+                        <a:solidFill>
+                          <a:srgbClr val="C00000"/>
+                        </a:solidFill>
+                      </a:endParaRPr>
                     </a:p>
                   </a:txBody>
                   <a:tcPr/>
@@ -4548,11 +4609,7 @@
                     <a:lstStyle/>
                     <a:p>
                       <a:r>
-                        <a:rPr lang="en-US" b="1" dirty="0" smtClean="0">
-                          <a:solidFill>
-                            <a:schemeClr val="bg1"/>
-                          </a:solidFill>
-                        </a:rPr>
+                        <a:rPr lang="en-US" dirty="0" smtClean="0"/>
                         <a:t>Description</a:t>
                       </a:r>
                       <a:endParaRPr lang="en-IN" b="1" dirty="0">
@@ -4562,11 +4619,7 @@
                       </a:endParaRPr>
                     </a:p>
                   </a:txBody>
-                  <a:tcPr>
-                    <a:solidFill>
-                      <a:schemeClr val="accent5"/>
-                    </a:solidFill>
-                  </a:tcPr>
+                  <a:tcPr/>
                 </a:tc>
                 <a:tc>
                   <a:txBody>
@@ -4598,18 +4651,34 @@
                     <a:p>
                       <a:pPr algn="l"/>
                       <a:r>
-                        <a:rPr lang="en-US" dirty="0" smtClean="0"/>
+                        <a:rPr lang="en-US" dirty="0" smtClean="0">
+                          <a:solidFill>
+                            <a:srgbClr val="C00000"/>
+                          </a:solidFill>
+                        </a:rPr>
                         <a:t>Outer race failure occurred in</a:t>
                       </a:r>
                       <a:r>
-                        <a:rPr lang="en-US" baseline="0" dirty="0" smtClean="0"/>
+                        <a:rPr lang="en-US" baseline="0" dirty="0" smtClean="0">
+                          <a:solidFill>
+                            <a:srgbClr val="C00000"/>
+                          </a:solidFill>
+                        </a:rPr>
                         <a:t> </a:t>
                       </a:r>
                       <a:r>
-                        <a:rPr lang="en-US" dirty="0" smtClean="0"/>
+                        <a:rPr lang="en-US" dirty="0" smtClean="0">
+                          <a:solidFill>
+                            <a:srgbClr val="C00000"/>
+                          </a:solidFill>
+                        </a:rPr>
                         <a:t>bearing 1.</a:t>
                       </a:r>
-                      <a:endParaRPr lang="en-IN" dirty="0"/>
+                      <a:endParaRPr lang="en-IN" dirty="0">
+                        <a:solidFill>
+                          <a:srgbClr val="C00000"/>
+                        </a:solidFill>
+                      </a:endParaRPr>
                     </a:p>
                   </a:txBody>
                   <a:tcPr/>
@@ -4642,6 +4711,39 @@
           </a:graphicData>
         </a:graphic>
       </p:graphicFrame>
+      <p:sp>
+        <p:nvSpPr>
+          <p:cNvPr id="2" name="TextBox 1"/>
+          <p:cNvSpPr txBox="1"/>
+          <p:nvPr/>
+        </p:nvSpPr>
+        <p:spPr>
+          <a:xfrm>
+            <a:off x="666572" y="5546221"/>
+            <a:ext cx="10750609" cy="400110"/>
+          </a:xfrm>
+          <a:prstGeom prst="rect">
+            <a:avLst/>
+          </a:prstGeom>
+          <a:noFill/>
+        </p:spPr>
+        <p:txBody>
+          <a:bodyPr wrap="square" rtlCol="0">
+            <a:spAutoFit/>
+          </a:bodyPr>
+          <a:lstStyle/>
+          <a:p>
+            <a:r>
+              <a:rPr lang="en-US" sz="2000" b="1" dirty="0" smtClean="0"/>
+              <a:t>Note:</a:t>
+            </a:r>
+            <a:r>
+              <a:rPr lang="en-US" sz="2000" dirty="0" smtClean="0"/>
+              <a:t> In this work, we are considering only Set No. 2</a:t>
+            </a:r>
+          </a:p>
+        </p:txBody>
+      </p:sp>
     </p:spTree>
     <p:extLst>
       <p:ext uri="{BB962C8B-B14F-4D97-AF65-F5344CB8AC3E}">
